--- a/DAY1/_00 - Motivation/motivation.pptx
+++ b/DAY1/_00 - Motivation/motivation.pptx
@@ -3544,9 +3544,10 @@
               <a:t>M</a:t>
             </a:r>
             <a:r>
-              <a:rPr lang="en-CH" dirty="0"/>
-              <a:t>odel-agnostic Topics</a:t>
-            </a:r>
+              <a:rPr lang="en-CH"/>
+              <a:t>odel-agnostic Topics (see next slide)</a:t>
+            </a:r>
+            <a:endParaRPr lang="en-CH" dirty="0"/>
           </a:p>
           <a:p>
             <a:r>
@@ -3629,12 +3630,8 @@
               <a:t>M</a:t>
             </a:r>
             <a:r>
-              <a:rPr lang="en-CH"/>
-              <a:t>odel-Agnostic </a:t>
-            </a:r>
-            <a:r>
               <a:rPr lang="en-CH" dirty="0"/>
-              <a:t>Topics</a:t>
+              <a:t>odel-Agnostic Topics</a:t>
             </a:r>
           </a:p>
         </p:txBody>

--- a/DAY1/_00 - Motivation/motivation.pptx
+++ b/DAY1/_00 - Motivation/motivation.pptx
@@ -106,6 +106,11 @@
       </a:defRPr>
     </a:lvl9pPr>
   </p:defaultTextStyle>
+  <p:extLst>
+    <p:ext uri="{EFAFB233-063F-42B5-8137-9DF3F51BA10A}">
+      <p15:sldGuideLst xmlns:p15="http://schemas.microsoft.com/office/powerpoint/2012/main"/>
+    </p:ext>
+  </p:extLst>
 </p:presentation>
 </file>
 
@@ -258,7 +263,7 @@
           <a:p>
             <a:fld id="{C3451B09-21F1-2F45-9B85-061DA282C4CB}" type="datetimeFigureOut">
               <a:rPr lang="en-CH" smtClean="0"/>
-              <a:t>03.01.2024</a:t>
+              <a:t>06.01.2024</a:t>
             </a:fld>
             <a:endParaRPr lang="en-CH"/>
           </a:p>
@@ -458,7 +463,7 @@
           <a:p>
             <a:fld id="{C3451B09-21F1-2F45-9B85-061DA282C4CB}" type="datetimeFigureOut">
               <a:rPr lang="en-CH" smtClean="0"/>
-              <a:t>03.01.2024</a:t>
+              <a:t>06.01.2024</a:t>
             </a:fld>
             <a:endParaRPr lang="en-CH"/>
           </a:p>
@@ -668,7 +673,7 @@
           <a:p>
             <a:fld id="{C3451B09-21F1-2F45-9B85-061DA282C4CB}" type="datetimeFigureOut">
               <a:rPr lang="en-CH" smtClean="0"/>
-              <a:t>03.01.2024</a:t>
+              <a:t>06.01.2024</a:t>
             </a:fld>
             <a:endParaRPr lang="en-CH"/>
           </a:p>
@@ -868,7 +873,7 @@
           <a:p>
             <a:fld id="{C3451B09-21F1-2F45-9B85-061DA282C4CB}" type="datetimeFigureOut">
               <a:rPr lang="en-CH" smtClean="0"/>
-              <a:t>03.01.2024</a:t>
+              <a:t>06.01.2024</a:t>
             </a:fld>
             <a:endParaRPr lang="en-CH"/>
           </a:p>
@@ -1144,7 +1149,7 @@
           <a:p>
             <a:fld id="{C3451B09-21F1-2F45-9B85-061DA282C4CB}" type="datetimeFigureOut">
               <a:rPr lang="en-CH" smtClean="0"/>
-              <a:t>03.01.2024</a:t>
+              <a:t>06.01.2024</a:t>
             </a:fld>
             <a:endParaRPr lang="en-CH"/>
           </a:p>
@@ -1412,7 +1417,7 @@
           <a:p>
             <a:fld id="{C3451B09-21F1-2F45-9B85-061DA282C4CB}" type="datetimeFigureOut">
               <a:rPr lang="en-CH" smtClean="0"/>
-              <a:t>03.01.2024</a:t>
+              <a:t>06.01.2024</a:t>
             </a:fld>
             <a:endParaRPr lang="en-CH"/>
           </a:p>
@@ -1827,7 +1832,7 @@
           <a:p>
             <a:fld id="{C3451B09-21F1-2F45-9B85-061DA282C4CB}" type="datetimeFigureOut">
               <a:rPr lang="en-CH" smtClean="0"/>
-              <a:t>03.01.2024</a:t>
+              <a:t>06.01.2024</a:t>
             </a:fld>
             <a:endParaRPr lang="en-CH"/>
           </a:p>
@@ -1969,7 +1974,7 @@
           <a:p>
             <a:fld id="{C3451B09-21F1-2F45-9B85-061DA282C4CB}" type="datetimeFigureOut">
               <a:rPr lang="en-CH" smtClean="0"/>
-              <a:t>03.01.2024</a:t>
+              <a:t>06.01.2024</a:t>
             </a:fld>
             <a:endParaRPr lang="en-CH"/>
           </a:p>
@@ -2082,7 +2087,7 @@
           <a:p>
             <a:fld id="{C3451B09-21F1-2F45-9B85-061DA282C4CB}" type="datetimeFigureOut">
               <a:rPr lang="en-CH" smtClean="0"/>
-              <a:t>03.01.2024</a:t>
+              <a:t>06.01.2024</a:t>
             </a:fld>
             <a:endParaRPr lang="en-CH"/>
           </a:p>
@@ -2395,7 +2400,7 @@
           <a:p>
             <a:fld id="{C3451B09-21F1-2F45-9B85-061DA282C4CB}" type="datetimeFigureOut">
               <a:rPr lang="en-CH" smtClean="0"/>
-              <a:t>03.01.2024</a:t>
+              <a:t>06.01.2024</a:t>
             </a:fld>
             <a:endParaRPr lang="en-CH"/>
           </a:p>
@@ -2684,7 +2689,7 @@
           <a:p>
             <a:fld id="{C3451B09-21F1-2F45-9B85-061DA282C4CB}" type="datetimeFigureOut">
               <a:rPr lang="en-CH" smtClean="0"/>
-              <a:t>03.01.2024</a:t>
+              <a:t>06.01.2024</a:t>
             </a:fld>
             <a:endParaRPr lang="en-CH"/>
           </a:p>
@@ -2929,7 +2934,7 @@
             <a:fld id="{C3451B09-21F1-2F45-9B85-061DA282C4CB}" type="datetimeFigureOut">
               <a:rPr lang="en-CH" smtClean="0"/>
               <a:pPr/>
-              <a:t>03.01.2024</a:t>
+              <a:t>06.01.2024</a:t>
             </a:fld>
             <a:endParaRPr lang="en-CH" dirty="0"/>
           </a:p>
@@ -3372,7 +3377,7 @@
           <a:p>
             <a:r>
               <a:rPr lang="en-CH" dirty="0"/>
-              <a:t>Motivation</a:t>
+              <a:t>Motivation and School Structure</a:t>
             </a:r>
           </a:p>
         </p:txBody>
@@ -3408,7 +3413,7 @@
               <a:rPr lang="en-GB" dirty="0">
                 <a:hlinkClick r:id="rId2"/>
               </a:rPr>
-              <a:t>U</a:t>
+              <a:t>u</a:t>
             </a:r>
             <a:r>
               <a:rPr lang="en-CH" dirty="0">
@@ -3529,7 +3534,7 @@
           <a:p>
             <a:r>
               <a:rPr lang="en-GB" dirty="0"/>
-              <a:t>PCA</a:t>
+              <a:t>PCA (dimensionality reduction)</a:t>
             </a:r>
           </a:p>
           <a:p>
@@ -3544,10 +3549,9 @@
               <a:t>M</a:t>
             </a:r>
             <a:r>
-              <a:rPr lang="en-CH"/>
+              <a:rPr lang="en-CH" dirty="0"/>
               <a:t>odel-agnostic Topics (see next slide)</a:t>
             </a:r>
-            <a:endParaRPr lang="en-CH" dirty="0"/>
           </a:p>
           <a:p>
             <a:r>

--- a/DAY1/_00 - Motivation/motivation.pptx
+++ b/DAY1/_00 - Motivation/motivation.pptx
@@ -6,8 +6,8 @@
   </p:sldMasterIdLst>
   <p:sldIdLst>
     <p:sldId id="256" r:id="rId2"/>
-    <p:sldId id="258" r:id="rId3"/>
-    <p:sldId id="257" r:id="rId4"/>
+    <p:sldId id="260" r:id="rId3"/>
+    <p:sldId id="261" r:id="rId4"/>
   </p:sldIdLst>
   <p:sldSz cx="12192000" cy="6858000"/>
   <p:notesSz cx="6858000" cy="9144000"/>
@@ -263,7 +263,7 @@
           <a:p>
             <a:fld id="{C3451B09-21F1-2F45-9B85-061DA282C4CB}" type="datetimeFigureOut">
               <a:rPr lang="en-CH" smtClean="0"/>
-              <a:t>06.01.2024</a:t>
+              <a:t>11.01.2024</a:t>
             </a:fld>
             <a:endParaRPr lang="en-CH"/>
           </a:p>
@@ -463,7 +463,7 @@
           <a:p>
             <a:fld id="{C3451B09-21F1-2F45-9B85-061DA282C4CB}" type="datetimeFigureOut">
               <a:rPr lang="en-CH" smtClean="0"/>
-              <a:t>06.01.2024</a:t>
+              <a:t>11.01.2024</a:t>
             </a:fld>
             <a:endParaRPr lang="en-CH"/>
           </a:p>
@@ -673,7 +673,7 @@
           <a:p>
             <a:fld id="{C3451B09-21F1-2F45-9B85-061DA282C4CB}" type="datetimeFigureOut">
               <a:rPr lang="en-CH" smtClean="0"/>
-              <a:t>06.01.2024</a:t>
+              <a:t>11.01.2024</a:t>
             </a:fld>
             <a:endParaRPr lang="en-CH"/>
           </a:p>
@@ -873,7 +873,7 @@
           <a:p>
             <a:fld id="{C3451B09-21F1-2F45-9B85-061DA282C4CB}" type="datetimeFigureOut">
               <a:rPr lang="en-CH" smtClean="0"/>
-              <a:t>06.01.2024</a:t>
+              <a:t>11.01.2024</a:t>
             </a:fld>
             <a:endParaRPr lang="en-CH"/>
           </a:p>
@@ -1149,7 +1149,7 @@
           <a:p>
             <a:fld id="{C3451B09-21F1-2F45-9B85-061DA282C4CB}" type="datetimeFigureOut">
               <a:rPr lang="en-CH" smtClean="0"/>
-              <a:t>06.01.2024</a:t>
+              <a:t>11.01.2024</a:t>
             </a:fld>
             <a:endParaRPr lang="en-CH"/>
           </a:p>
@@ -1417,7 +1417,7 @@
           <a:p>
             <a:fld id="{C3451B09-21F1-2F45-9B85-061DA282C4CB}" type="datetimeFigureOut">
               <a:rPr lang="en-CH" smtClean="0"/>
-              <a:t>06.01.2024</a:t>
+              <a:t>11.01.2024</a:t>
             </a:fld>
             <a:endParaRPr lang="en-CH"/>
           </a:p>
@@ -1832,7 +1832,7 @@
           <a:p>
             <a:fld id="{C3451B09-21F1-2F45-9B85-061DA282C4CB}" type="datetimeFigureOut">
               <a:rPr lang="en-CH" smtClean="0"/>
-              <a:t>06.01.2024</a:t>
+              <a:t>11.01.2024</a:t>
             </a:fld>
             <a:endParaRPr lang="en-CH"/>
           </a:p>
@@ -1974,7 +1974,7 @@
           <a:p>
             <a:fld id="{C3451B09-21F1-2F45-9B85-061DA282C4CB}" type="datetimeFigureOut">
               <a:rPr lang="en-CH" smtClean="0"/>
-              <a:t>06.01.2024</a:t>
+              <a:t>11.01.2024</a:t>
             </a:fld>
             <a:endParaRPr lang="en-CH"/>
           </a:p>
@@ -2087,7 +2087,7 @@
           <a:p>
             <a:fld id="{C3451B09-21F1-2F45-9B85-061DA282C4CB}" type="datetimeFigureOut">
               <a:rPr lang="en-CH" smtClean="0"/>
-              <a:t>06.01.2024</a:t>
+              <a:t>11.01.2024</a:t>
             </a:fld>
             <a:endParaRPr lang="en-CH"/>
           </a:p>
@@ -2400,7 +2400,7 @@
           <a:p>
             <a:fld id="{C3451B09-21F1-2F45-9B85-061DA282C4CB}" type="datetimeFigureOut">
               <a:rPr lang="en-CH" smtClean="0"/>
-              <a:t>06.01.2024</a:t>
+              <a:t>11.01.2024</a:t>
             </a:fld>
             <a:endParaRPr lang="en-CH"/>
           </a:p>
@@ -2689,7 +2689,7 @@
           <a:p>
             <a:fld id="{C3451B09-21F1-2F45-9B85-061DA282C4CB}" type="datetimeFigureOut">
               <a:rPr lang="en-CH" smtClean="0"/>
-              <a:t>06.01.2024</a:t>
+              <a:t>11.01.2024</a:t>
             </a:fld>
             <a:endParaRPr lang="en-CH"/>
           </a:p>
@@ -2934,7 +2934,7 @@
             <a:fld id="{C3451B09-21F1-2F45-9B85-061DA282C4CB}" type="datetimeFigureOut">
               <a:rPr lang="en-CH" smtClean="0"/>
               <a:pPr/>
-              <a:t>06.01.2024</a:t>
+              <a:t>11.01.2024</a:t>
             </a:fld>
             <a:endParaRPr lang="en-CH" dirty="0"/>
           </a:p>
@@ -3463,7 +3463,7 @@
           <p:cNvPr id="2" name="Title 1">
             <a:extLst>
               <a:ext uri="{FF2B5EF4-FFF2-40B4-BE49-F238E27FC236}">
-                <a16:creationId xmlns:a16="http://schemas.microsoft.com/office/drawing/2014/main" id="{79BE3C72-D53B-B015-4899-9B1430C963E9}"/>
+                <a16:creationId xmlns:a16="http://schemas.microsoft.com/office/drawing/2014/main" id="{8C9176F2-FD0F-6B08-8DFB-5B9FB967960C}"/>
               </a:ext>
             </a:extLst>
           </p:cNvPr>
@@ -3472,111 +3472,61 @@
           </p:cNvSpPr>
           <p:nvPr>
             <p:ph type="title"/>
-          </p:nvPr>
-        </p:nvSpPr>
-        <p:spPr/>
-        <p:txBody>
-          <a:bodyPr/>
-          <a:lstStyle/>
-          <a:p>
-            <a:r>
-              <a:rPr lang="en-CH" dirty="0"/>
-              <a:t>School Content Structure</a:t>
-            </a:r>
-          </a:p>
-        </p:txBody>
-      </p:sp>
-      <p:sp>
-        <p:nvSpPr>
-          <p:cNvPr id="3" name="Content Placeholder 2">
-            <a:extLst>
-              <a:ext uri="{FF2B5EF4-FFF2-40B4-BE49-F238E27FC236}">
-                <a16:creationId xmlns:a16="http://schemas.microsoft.com/office/drawing/2014/main" id="{2830BF82-0379-E6C5-4A02-8BD234A957E4}"/>
-              </a:ext>
-            </a:extLst>
-          </p:cNvPr>
-          <p:cNvSpPr>
-            <a:spLocks noGrp="1"/>
-          </p:cNvSpPr>
-          <p:nvPr>
-            <p:ph idx="1"/>
           </p:nvPr>
         </p:nvSpPr>
         <p:spPr>
           <a:xfrm>
-            <a:off x="838200" y="1690688"/>
-            <a:ext cx="10515600" cy="4486275"/>
+            <a:off x="838200" y="365125"/>
+            <a:ext cx="2819400" cy="6046185"/>
           </a:xfrm>
         </p:spPr>
         <p:txBody>
           <a:bodyPr>
-            <a:normAutofit lnSpcReduction="10000"/>
+            <a:normAutofit/>
           </a:bodyPr>
           <a:lstStyle/>
           <a:p>
             <a:r>
-              <a:rPr lang="en-GB" dirty="0"/>
-              <a:t>Motivation and Terminology</a:t>
-            </a:r>
-          </a:p>
-          <a:p>
-            <a:r>
-              <a:rPr lang="en-GB" dirty="0"/>
-              <a:t>Learning and Gradient Descent</a:t>
-            </a:r>
-          </a:p>
-          <a:p>
-            <a:r>
-              <a:rPr lang="en-GB" dirty="0"/>
-              <a:t>Introduction to scikit-learn</a:t>
-            </a:r>
-          </a:p>
-          <a:p>
-            <a:r>
-              <a:rPr lang="en-GB" dirty="0"/>
-              <a:t>PCA (dimensionality reduction)</a:t>
-            </a:r>
-          </a:p>
-          <a:p>
-            <a:r>
-              <a:rPr lang="en-GB" dirty="0"/>
-              <a:t>Programming best practices</a:t>
-            </a:r>
-          </a:p>
-          <a:p>
-            <a:r>
-              <a:rPr lang="en-GB" dirty="0"/>
-              <a:t>M</a:t>
-            </a:r>
-            <a:r>
               <a:rPr lang="en-CH" dirty="0"/>
-              <a:t>odel-agnostic Topics (see next slide)</a:t>
-            </a:r>
-          </a:p>
-          <a:p>
-            <a:r>
-              <a:rPr lang="en-CH" dirty="0"/>
-              <a:t>Neural Networks (TensorFlow and Keras) (FFNN, CNN, etc.)</a:t>
-            </a:r>
-          </a:p>
-          <a:p>
-            <a:r>
-              <a:rPr lang="en-CH" dirty="0"/>
-              <a:t>Computer Vision</a:t>
-            </a:r>
-          </a:p>
-          <a:p>
-            <a:r>
-              <a:rPr lang="en-CH" dirty="0"/>
-              <a:t>Generative AI (advanced neural network architectures)</a:t>
-            </a:r>
-          </a:p>
-        </p:txBody>
-      </p:sp>
+              <a:t>Machine Learning Concepts Taxonomy</a:t>
+            </a:r>
+          </a:p>
+        </p:txBody>
+      </p:sp>
+      <p:pic>
+        <p:nvPicPr>
+          <p:cNvPr id="7" name="Picture 6">
+            <a:extLst>
+              <a:ext uri="{FF2B5EF4-FFF2-40B4-BE49-F238E27FC236}">
+                <a16:creationId xmlns:a16="http://schemas.microsoft.com/office/drawing/2014/main" id="{861C5FC3-EDD6-9792-DE9B-C699CBEF8241}"/>
+              </a:ext>
+            </a:extLst>
+          </p:cNvPr>
+          <p:cNvPicPr>
+            <a:picLocks noChangeAspect="1"/>
+          </p:cNvPicPr>
+          <p:nvPr/>
+        </p:nvPicPr>
+        <p:blipFill>
+          <a:blip r:embed="rId2"/>
+          <a:stretch>
+            <a:fillRect/>
+          </a:stretch>
+        </p:blipFill>
+        <p:spPr>
+          <a:xfrm>
+            <a:off x="4649626" y="0"/>
+            <a:ext cx="7542374" cy="6858000"/>
+          </a:xfrm>
+          <a:prstGeom prst="rect">
+            <a:avLst/>
+          </a:prstGeom>
+        </p:spPr>
+      </p:pic>
     </p:spTree>
     <p:extLst>
       <p:ext uri="{BB962C8B-B14F-4D97-AF65-F5344CB8AC3E}">
-        <p14:creationId xmlns:p14="http://schemas.microsoft.com/office/powerpoint/2010/main" val="2111465384"/>
+        <p14:creationId xmlns:p14="http://schemas.microsoft.com/office/powerpoint/2010/main" val="3810594932"/>
       </p:ext>
     </p:extLst>
   </p:cSld>
@@ -3608,7 +3558,7 @@
           <p:cNvPr id="2" name="Title 1">
             <a:extLst>
               <a:ext uri="{FF2B5EF4-FFF2-40B4-BE49-F238E27FC236}">
-                <a16:creationId xmlns:a16="http://schemas.microsoft.com/office/drawing/2014/main" id="{5AC88EC6-6715-D93E-5841-3C2AE8FF89F6}"/>
+                <a16:creationId xmlns:a16="http://schemas.microsoft.com/office/drawing/2014/main" id="{8C9176F2-FD0F-6B08-8DFB-5B9FB967960C}"/>
               </a:ext>
             </a:extLst>
           </p:cNvPr>
@@ -3621,31 +3571,39 @@
         </p:nvSpPr>
         <p:spPr>
           <a:xfrm>
-            <a:off x="207579" y="102368"/>
-            <a:ext cx="10515600" cy="762606"/>
+            <a:off x="838200" y="365125"/>
+            <a:ext cx="2819400" cy="6046185"/>
           </a:xfrm>
         </p:spPr>
         <p:txBody>
-          <a:bodyPr/>
-          <a:lstStyle/>
-          <a:p>
-            <a:r>
-              <a:rPr lang="en-GB" dirty="0"/>
-              <a:t>M</a:t>
-            </a:r>
+          <a:bodyPr>
+            <a:normAutofit/>
+          </a:bodyPr>
+          <a:lstStyle/>
+          <a:p>
             <a:r>
               <a:rPr lang="en-CH" dirty="0"/>
-              <a:t>odel-Agnostic Topics</a:t>
+              <a:t>Machine Learning Concepts Taxonomy</a:t>
+            </a:r>
+            <a:br>
+              <a:rPr lang="en-CH" dirty="0"/>
+            </a:br>
+            <a:br>
+              <a:rPr lang="en-CH" dirty="0"/>
+            </a:br>
+            <a:r>
+              <a:rPr lang="en-CH" dirty="0"/>
+              <a:t>What we will cover</a:t>
             </a:r>
           </a:p>
         </p:txBody>
       </p:sp>
       <p:pic>
         <p:nvPicPr>
-          <p:cNvPr id="4" name="Picture 3">
-            <a:extLst>
-              <a:ext uri="{FF2B5EF4-FFF2-40B4-BE49-F238E27FC236}">
-                <a16:creationId xmlns:a16="http://schemas.microsoft.com/office/drawing/2014/main" id="{FEDE66F9-D713-586E-9C6B-5FF1F6E59EBA}"/>
+          <p:cNvPr id="7" name="Picture 6">
+            <a:extLst>
+              <a:ext uri="{FF2B5EF4-FFF2-40B4-BE49-F238E27FC236}">
+                <a16:creationId xmlns:a16="http://schemas.microsoft.com/office/drawing/2014/main" id="{861C5FC3-EDD6-9792-DE9B-C699CBEF8241}"/>
               </a:ext>
             </a:extLst>
           </p:cNvPr>
@@ -3654,25 +3612,355 @@
           </p:cNvPicPr>
           <p:nvPr/>
         </p:nvPicPr>
-        <p:blipFill rotWithShape="1">
+        <p:blipFill>
           <a:blip r:embed="rId2"/>
-          <a:srcRect l="10201" t="12471" r="7605" b="8143"/>
-          <a:stretch/>
+          <a:stretch>
+            <a:fillRect/>
+          </a:stretch>
         </p:blipFill>
         <p:spPr>
           <a:xfrm>
-            <a:off x="1592256" y="1322173"/>
-            <a:ext cx="8688566" cy="5176168"/>
+            <a:off x="4649626" y="0"/>
+            <a:ext cx="7542374" cy="6858000"/>
           </a:xfrm>
           <a:prstGeom prst="rect">
             <a:avLst/>
           </a:prstGeom>
         </p:spPr>
       </p:pic>
+      <p:sp>
+        <p:nvSpPr>
+          <p:cNvPr id="3" name="Rectangle 2">
+            <a:extLst>
+              <a:ext uri="{FF2B5EF4-FFF2-40B4-BE49-F238E27FC236}">
+                <a16:creationId xmlns:a16="http://schemas.microsoft.com/office/drawing/2014/main" id="{F1784AA9-3F34-7C9D-2798-AB1ABA00F6AE}"/>
+              </a:ext>
+            </a:extLst>
+          </p:cNvPr>
+          <p:cNvSpPr/>
+          <p:nvPr/>
+        </p:nvSpPr>
+        <p:spPr>
+          <a:xfrm>
+            <a:off x="7031421" y="5728138"/>
+            <a:ext cx="5044965" cy="1051034"/>
+          </a:xfrm>
+          <a:prstGeom prst="rect">
+            <a:avLst/>
+          </a:prstGeom>
+          <a:noFill/>
+          <a:ln w="38100">
+            <a:solidFill>
+              <a:schemeClr val="tx1"/>
+            </a:solidFill>
+          </a:ln>
+        </p:spPr>
+        <p:style>
+          <a:lnRef idx="2">
+            <a:schemeClr val="dk1"/>
+          </a:lnRef>
+          <a:fillRef idx="1">
+            <a:schemeClr val="lt1"/>
+          </a:fillRef>
+          <a:effectRef idx="0">
+            <a:schemeClr val="dk1"/>
+          </a:effectRef>
+          <a:fontRef idx="minor">
+            <a:schemeClr val="dk1"/>
+          </a:fontRef>
+        </p:style>
+        <p:txBody>
+          <a:bodyPr rtlCol="0" anchor="ctr"/>
+          <a:lstStyle/>
+          <a:p>
+            <a:pPr algn="ctr"/>
+            <a:endParaRPr lang="en-CH"/>
+          </a:p>
+        </p:txBody>
+      </p:sp>
+      <p:sp>
+        <p:nvSpPr>
+          <p:cNvPr id="4" name="Rectangle 3">
+            <a:extLst>
+              <a:ext uri="{FF2B5EF4-FFF2-40B4-BE49-F238E27FC236}">
+                <a16:creationId xmlns:a16="http://schemas.microsoft.com/office/drawing/2014/main" id="{AE192FD7-2DBE-575C-AC14-4EBAA100806D}"/>
+              </a:ext>
+            </a:extLst>
+          </p:cNvPr>
+          <p:cNvSpPr/>
+          <p:nvPr/>
+        </p:nvSpPr>
+        <p:spPr>
+          <a:xfrm>
+            <a:off x="9627476" y="1860331"/>
+            <a:ext cx="1234965" cy="3473669"/>
+          </a:xfrm>
+          <a:prstGeom prst="rect">
+            <a:avLst/>
+          </a:prstGeom>
+          <a:noFill/>
+          <a:ln w="38100">
+            <a:solidFill>
+              <a:schemeClr val="tx1"/>
+            </a:solidFill>
+          </a:ln>
+        </p:spPr>
+        <p:style>
+          <a:lnRef idx="2">
+            <a:schemeClr val="dk1"/>
+          </a:lnRef>
+          <a:fillRef idx="1">
+            <a:schemeClr val="lt1"/>
+          </a:fillRef>
+          <a:effectRef idx="0">
+            <a:schemeClr val="dk1"/>
+          </a:effectRef>
+          <a:fontRef idx="minor">
+            <a:schemeClr val="dk1"/>
+          </a:fontRef>
+        </p:style>
+        <p:txBody>
+          <a:bodyPr rtlCol="0" anchor="ctr"/>
+          <a:lstStyle/>
+          <a:p>
+            <a:pPr algn="ctr"/>
+            <a:endParaRPr lang="en-CH"/>
+          </a:p>
+        </p:txBody>
+      </p:sp>
+      <p:cxnSp>
+        <p:nvCxnSpPr>
+          <p:cNvPr id="6" name="Straight Connector 5">
+            <a:extLst>
+              <a:ext uri="{FF2B5EF4-FFF2-40B4-BE49-F238E27FC236}">
+                <a16:creationId xmlns:a16="http://schemas.microsoft.com/office/drawing/2014/main" id="{52F34915-8CFB-85BF-630E-76C438B0D293}"/>
+              </a:ext>
+            </a:extLst>
+          </p:cNvPr>
+          <p:cNvCxnSpPr>
+            <a:cxnSpLocks/>
+          </p:cNvCxnSpPr>
+          <p:nvPr/>
+        </p:nvCxnSpPr>
+        <p:spPr>
+          <a:xfrm flipV="1">
+            <a:off x="9690538" y="4445876"/>
+            <a:ext cx="1093076" cy="241738"/>
+          </a:xfrm>
+          <a:prstGeom prst="line">
+            <a:avLst/>
+          </a:prstGeom>
+          <a:ln w="38100">
+            <a:solidFill>
+              <a:schemeClr val="tx1"/>
+            </a:solidFill>
+          </a:ln>
+        </p:spPr>
+        <p:style>
+          <a:lnRef idx="1">
+            <a:schemeClr val="accent1"/>
+          </a:lnRef>
+          <a:fillRef idx="0">
+            <a:schemeClr val="accent1"/>
+          </a:fillRef>
+          <a:effectRef idx="0">
+            <a:schemeClr val="accent1"/>
+          </a:effectRef>
+          <a:fontRef idx="minor">
+            <a:schemeClr val="tx1"/>
+          </a:fontRef>
+        </p:style>
+      </p:cxnSp>
+      <p:cxnSp>
+        <p:nvCxnSpPr>
+          <p:cNvPr id="8" name="Straight Connector 7">
+            <a:extLst>
+              <a:ext uri="{FF2B5EF4-FFF2-40B4-BE49-F238E27FC236}">
+                <a16:creationId xmlns:a16="http://schemas.microsoft.com/office/drawing/2014/main" id="{CAFF3318-71EB-1CD3-DE36-C1BE250A2A35}"/>
+              </a:ext>
+            </a:extLst>
+          </p:cNvPr>
+          <p:cNvCxnSpPr>
+            <a:cxnSpLocks/>
+          </p:cNvCxnSpPr>
+          <p:nvPr/>
+        </p:nvCxnSpPr>
+        <p:spPr>
+          <a:xfrm flipV="1">
+            <a:off x="10373710" y="2417379"/>
+            <a:ext cx="294290" cy="257504"/>
+          </a:xfrm>
+          <a:prstGeom prst="line">
+            <a:avLst/>
+          </a:prstGeom>
+          <a:ln w="38100">
+            <a:solidFill>
+              <a:schemeClr val="tx1"/>
+            </a:solidFill>
+          </a:ln>
+        </p:spPr>
+        <p:style>
+          <a:lnRef idx="1">
+            <a:schemeClr val="accent1"/>
+          </a:lnRef>
+          <a:fillRef idx="0">
+            <a:schemeClr val="accent1"/>
+          </a:fillRef>
+          <a:effectRef idx="0">
+            <a:schemeClr val="accent1"/>
+          </a:effectRef>
+          <a:fontRef idx="minor">
+            <a:schemeClr val="tx1"/>
+          </a:fontRef>
+        </p:style>
+      </p:cxnSp>
+      <p:cxnSp>
+        <p:nvCxnSpPr>
+          <p:cNvPr id="12" name="Straight Connector 11">
+            <a:extLst>
+              <a:ext uri="{FF2B5EF4-FFF2-40B4-BE49-F238E27FC236}">
+                <a16:creationId xmlns:a16="http://schemas.microsoft.com/office/drawing/2014/main" id="{EF1589AB-86E2-67B7-2B08-2F8E72759ABF}"/>
+              </a:ext>
+            </a:extLst>
+          </p:cNvPr>
+          <p:cNvCxnSpPr>
+            <a:cxnSpLocks/>
+          </p:cNvCxnSpPr>
+          <p:nvPr/>
+        </p:nvCxnSpPr>
+        <p:spPr>
+          <a:xfrm flipV="1">
+            <a:off x="9701048" y="4120055"/>
+            <a:ext cx="1082566" cy="252248"/>
+          </a:xfrm>
+          <a:prstGeom prst="line">
+            <a:avLst/>
+          </a:prstGeom>
+          <a:ln w="38100">
+            <a:solidFill>
+              <a:schemeClr val="tx1"/>
+            </a:solidFill>
+          </a:ln>
+        </p:spPr>
+        <p:style>
+          <a:lnRef idx="1">
+            <a:schemeClr val="accent1"/>
+          </a:lnRef>
+          <a:fillRef idx="0">
+            <a:schemeClr val="accent1"/>
+          </a:fillRef>
+          <a:effectRef idx="0">
+            <a:schemeClr val="accent1"/>
+          </a:effectRef>
+          <a:fontRef idx="minor">
+            <a:schemeClr val="tx1"/>
+          </a:fontRef>
+        </p:style>
+      </p:cxnSp>
+      <p:sp>
+        <p:nvSpPr>
+          <p:cNvPr id="17" name="Rectangle 16">
+            <a:extLst>
+              <a:ext uri="{FF2B5EF4-FFF2-40B4-BE49-F238E27FC236}">
+                <a16:creationId xmlns:a16="http://schemas.microsoft.com/office/drawing/2014/main" id="{F14345AA-850C-65F6-C2DE-631E79FD45AA}"/>
+              </a:ext>
+            </a:extLst>
+          </p:cNvPr>
+          <p:cNvSpPr/>
+          <p:nvPr/>
+        </p:nvSpPr>
+        <p:spPr>
+          <a:xfrm>
+            <a:off x="5959366" y="4014952"/>
+            <a:ext cx="1179185" cy="396765"/>
+          </a:xfrm>
+          <a:prstGeom prst="rect">
+            <a:avLst/>
+          </a:prstGeom>
+          <a:noFill/>
+          <a:ln w="38100">
+            <a:solidFill>
+              <a:schemeClr val="tx1"/>
+            </a:solidFill>
+          </a:ln>
+        </p:spPr>
+        <p:style>
+          <a:lnRef idx="2">
+            <a:schemeClr val="dk1"/>
+          </a:lnRef>
+          <a:fillRef idx="1">
+            <a:schemeClr val="lt1"/>
+          </a:fillRef>
+          <a:effectRef idx="0">
+            <a:schemeClr val="dk1"/>
+          </a:effectRef>
+          <a:fontRef idx="minor">
+            <a:schemeClr val="dk1"/>
+          </a:fontRef>
+        </p:style>
+        <p:txBody>
+          <a:bodyPr rtlCol="0" anchor="ctr"/>
+          <a:lstStyle/>
+          <a:p>
+            <a:pPr algn="ctr"/>
+            <a:endParaRPr lang="en-CH"/>
+          </a:p>
+        </p:txBody>
+      </p:sp>
+      <p:sp>
+        <p:nvSpPr>
+          <p:cNvPr id="18" name="Rectangle 17">
+            <a:extLst>
+              <a:ext uri="{FF2B5EF4-FFF2-40B4-BE49-F238E27FC236}">
+                <a16:creationId xmlns:a16="http://schemas.microsoft.com/office/drawing/2014/main" id="{BECFC23A-3F13-A042-1283-A5D587A9FD39}"/>
+              </a:ext>
+            </a:extLst>
+          </p:cNvPr>
+          <p:cNvSpPr/>
+          <p:nvPr/>
+        </p:nvSpPr>
+        <p:spPr>
+          <a:xfrm>
+            <a:off x="4729655" y="4776952"/>
+            <a:ext cx="1229711" cy="396765"/>
+          </a:xfrm>
+          <a:prstGeom prst="rect">
+            <a:avLst/>
+          </a:prstGeom>
+          <a:noFill/>
+          <a:ln w="38100">
+            <a:solidFill>
+              <a:schemeClr val="tx1"/>
+            </a:solidFill>
+          </a:ln>
+        </p:spPr>
+        <p:style>
+          <a:lnRef idx="2">
+            <a:schemeClr val="dk1"/>
+          </a:lnRef>
+          <a:fillRef idx="1">
+            <a:schemeClr val="lt1"/>
+          </a:fillRef>
+          <a:effectRef idx="0">
+            <a:schemeClr val="dk1"/>
+          </a:effectRef>
+          <a:fontRef idx="minor">
+            <a:schemeClr val="dk1"/>
+          </a:fontRef>
+        </p:style>
+        <p:txBody>
+          <a:bodyPr rtlCol="0" anchor="ctr"/>
+          <a:lstStyle/>
+          <a:p>
+            <a:pPr algn="ctr"/>
+            <a:endParaRPr lang="en-CH"/>
+          </a:p>
+        </p:txBody>
+      </p:sp>
     </p:spTree>
     <p:extLst>
       <p:ext uri="{BB962C8B-B14F-4D97-AF65-F5344CB8AC3E}">
-        <p14:creationId xmlns:p14="http://schemas.microsoft.com/office/powerpoint/2010/main" val="1570833200"/>
+        <p14:creationId xmlns:p14="http://schemas.microsoft.com/office/powerpoint/2010/main" val="2342287976"/>
       </p:ext>
     </p:extLst>
   </p:cSld>

--- a/DAY1/_00 - Motivation/motivation.pptx
+++ b/DAY1/_00 - Motivation/motivation.pptx
@@ -6,8 +6,9 @@
   </p:sldMasterIdLst>
   <p:sldIdLst>
     <p:sldId id="256" r:id="rId2"/>
-    <p:sldId id="260" r:id="rId3"/>
-    <p:sldId id="261" r:id="rId4"/>
+    <p:sldId id="262" r:id="rId3"/>
+    <p:sldId id="260" r:id="rId4"/>
+    <p:sldId id="261" r:id="rId5"/>
   </p:sldIdLst>
   <p:sldSz cx="12192000" cy="6858000"/>
   <p:notesSz cx="6858000" cy="9144000"/>
@@ -263,7 +264,7 @@
           <a:p>
             <a:fld id="{C3451B09-21F1-2F45-9B85-061DA282C4CB}" type="datetimeFigureOut">
               <a:rPr lang="en-CH" smtClean="0"/>
-              <a:t>11.01.2024</a:t>
+              <a:t>12.01.2024</a:t>
             </a:fld>
             <a:endParaRPr lang="en-CH"/>
           </a:p>
@@ -463,7 +464,7 @@
           <a:p>
             <a:fld id="{C3451B09-21F1-2F45-9B85-061DA282C4CB}" type="datetimeFigureOut">
               <a:rPr lang="en-CH" smtClean="0"/>
-              <a:t>11.01.2024</a:t>
+              <a:t>12.01.2024</a:t>
             </a:fld>
             <a:endParaRPr lang="en-CH"/>
           </a:p>
@@ -673,7 +674,7 @@
           <a:p>
             <a:fld id="{C3451B09-21F1-2F45-9B85-061DA282C4CB}" type="datetimeFigureOut">
               <a:rPr lang="en-CH" smtClean="0"/>
-              <a:t>11.01.2024</a:t>
+              <a:t>12.01.2024</a:t>
             </a:fld>
             <a:endParaRPr lang="en-CH"/>
           </a:p>
@@ -873,7 +874,7 @@
           <a:p>
             <a:fld id="{C3451B09-21F1-2F45-9B85-061DA282C4CB}" type="datetimeFigureOut">
               <a:rPr lang="en-CH" smtClean="0"/>
-              <a:t>11.01.2024</a:t>
+              <a:t>12.01.2024</a:t>
             </a:fld>
             <a:endParaRPr lang="en-CH"/>
           </a:p>
@@ -1149,7 +1150,7 @@
           <a:p>
             <a:fld id="{C3451B09-21F1-2F45-9B85-061DA282C4CB}" type="datetimeFigureOut">
               <a:rPr lang="en-CH" smtClean="0"/>
-              <a:t>11.01.2024</a:t>
+              <a:t>12.01.2024</a:t>
             </a:fld>
             <a:endParaRPr lang="en-CH"/>
           </a:p>
@@ -1417,7 +1418,7 @@
           <a:p>
             <a:fld id="{C3451B09-21F1-2F45-9B85-061DA282C4CB}" type="datetimeFigureOut">
               <a:rPr lang="en-CH" smtClean="0"/>
-              <a:t>11.01.2024</a:t>
+              <a:t>12.01.2024</a:t>
             </a:fld>
             <a:endParaRPr lang="en-CH"/>
           </a:p>
@@ -1832,7 +1833,7 @@
           <a:p>
             <a:fld id="{C3451B09-21F1-2F45-9B85-061DA282C4CB}" type="datetimeFigureOut">
               <a:rPr lang="en-CH" smtClean="0"/>
-              <a:t>11.01.2024</a:t>
+              <a:t>12.01.2024</a:t>
             </a:fld>
             <a:endParaRPr lang="en-CH"/>
           </a:p>
@@ -1974,7 +1975,7 @@
           <a:p>
             <a:fld id="{C3451B09-21F1-2F45-9B85-061DA282C4CB}" type="datetimeFigureOut">
               <a:rPr lang="en-CH" smtClean="0"/>
-              <a:t>11.01.2024</a:t>
+              <a:t>12.01.2024</a:t>
             </a:fld>
             <a:endParaRPr lang="en-CH"/>
           </a:p>
@@ -2087,7 +2088,7 @@
           <a:p>
             <a:fld id="{C3451B09-21F1-2F45-9B85-061DA282C4CB}" type="datetimeFigureOut">
               <a:rPr lang="en-CH" smtClean="0"/>
-              <a:t>11.01.2024</a:t>
+              <a:t>12.01.2024</a:t>
             </a:fld>
             <a:endParaRPr lang="en-CH"/>
           </a:p>
@@ -2400,7 +2401,7 @@
           <a:p>
             <a:fld id="{C3451B09-21F1-2F45-9B85-061DA282C4CB}" type="datetimeFigureOut">
               <a:rPr lang="en-CH" smtClean="0"/>
-              <a:t>11.01.2024</a:t>
+              <a:t>12.01.2024</a:t>
             </a:fld>
             <a:endParaRPr lang="en-CH"/>
           </a:p>
@@ -2689,7 +2690,7 @@
           <a:p>
             <a:fld id="{C3451B09-21F1-2F45-9B85-061DA282C4CB}" type="datetimeFigureOut">
               <a:rPr lang="en-CH" smtClean="0"/>
-              <a:t>11.01.2024</a:t>
+              <a:t>12.01.2024</a:t>
             </a:fld>
             <a:endParaRPr lang="en-CH"/>
           </a:p>
@@ -2934,7 +2935,7 @@
             <a:fld id="{C3451B09-21F1-2F45-9B85-061DA282C4CB}" type="datetimeFigureOut">
               <a:rPr lang="en-CH" smtClean="0"/>
               <a:pPr/>
-              <a:t>11.01.2024</a:t>
+              <a:t>12.01.2024</a:t>
             </a:fld>
             <a:endParaRPr lang="en-CH" dirty="0"/>
           </a:p>
@@ -3463,6 +3464,134 @@
           <p:cNvPr id="2" name="Title 1">
             <a:extLst>
               <a:ext uri="{FF2B5EF4-FFF2-40B4-BE49-F238E27FC236}">
+                <a16:creationId xmlns:a16="http://schemas.microsoft.com/office/drawing/2014/main" id="{04D52649-786B-EA63-8B36-A098D6E2F021}"/>
+              </a:ext>
+            </a:extLst>
+          </p:cNvPr>
+          <p:cNvSpPr>
+            <a:spLocks noGrp="1"/>
+          </p:cNvSpPr>
+          <p:nvPr>
+            <p:ph type="title"/>
+          </p:nvPr>
+        </p:nvSpPr>
+        <p:spPr/>
+        <p:txBody>
+          <a:bodyPr/>
+          <a:lstStyle/>
+          <a:p>
+            <a:r>
+              <a:rPr lang="en-CH" dirty="0"/>
+              <a:t>Thanks to…</a:t>
+            </a:r>
+          </a:p>
+        </p:txBody>
+      </p:sp>
+      <p:sp>
+        <p:nvSpPr>
+          <p:cNvPr id="3" name="Content Placeholder 2">
+            <a:extLst>
+              <a:ext uri="{FF2B5EF4-FFF2-40B4-BE49-F238E27FC236}">
+                <a16:creationId xmlns:a16="http://schemas.microsoft.com/office/drawing/2014/main" id="{1EA0977B-6D76-D487-8B3F-56AAB3D5BE26}"/>
+              </a:ext>
+            </a:extLst>
+          </p:cNvPr>
+          <p:cNvSpPr>
+            <a:spLocks noGrp="1"/>
+          </p:cNvSpPr>
+          <p:nvPr>
+            <p:ph idx="1"/>
+          </p:nvPr>
+        </p:nvSpPr>
+        <p:spPr/>
+        <p:txBody>
+          <a:bodyPr/>
+          <a:lstStyle/>
+          <a:p>
+            <a:pPr marL="0" indent="0">
+              <a:buNone/>
+            </a:pPr>
+            <a:r>
+              <a:rPr lang="en-CH" dirty="0"/>
+              <a:t>Organisers</a:t>
+            </a:r>
+          </a:p>
+          <a:p>
+            <a:r>
+              <a:rPr lang="en-CH" dirty="0"/>
+              <a:t>Susanna Bisogni</a:t>
+            </a:r>
+          </a:p>
+          <a:p>
+            <a:r>
+              <a:rPr lang="en-CH" dirty="0"/>
+              <a:t>Adriana Gargiulo</a:t>
+            </a:r>
+          </a:p>
+          <a:p>
+            <a:r>
+              <a:rPr lang="en-CH" dirty="0"/>
+              <a:t>Marco Scodeggio</a:t>
+            </a:r>
+          </a:p>
+          <a:p>
+            <a:r>
+              <a:rPr lang="en-CH" dirty="0"/>
+              <a:t>Marco Fumana</a:t>
+            </a:r>
+          </a:p>
+          <a:p>
+            <a:pPr marL="0" indent="0">
+              <a:buNone/>
+            </a:pPr>
+            <a:endParaRPr lang="en-CH" dirty="0"/>
+          </a:p>
+          <a:p>
+            <a:pPr marL="0" indent="0">
+              <a:buNone/>
+            </a:pPr>
+            <a:r>
+              <a:rPr lang="en-CH" dirty="0"/>
+              <a:t>And to the entire INAF for the support.</a:t>
+            </a:r>
+          </a:p>
+        </p:txBody>
+      </p:sp>
+    </p:spTree>
+    <p:extLst>
+      <p:ext uri="{BB962C8B-B14F-4D97-AF65-F5344CB8AC3E}">
+        <p14:creationId xmlns:p14="http://schemas.microsoft.com/office/powerpoint/2010/main" val="2170189667"/>
+      </p:ext>
+    </p:extLst>
+  </p:cSld>
+  <p:clrMapOvr>
+    <a:masterClrMapping/>
+  </p:clrMapOvr>
+</p:sld>
+</file>
+
+<file path=ppt/slides/slide3.xml><?xml version="1.0" encoding="utf-8"?>
+<p:sld xmlns:a="http://schemas.openxmlformats.org/drawingml/2006/main" xmlns:r="http://schemas.openxmlformats.org/officeDocument/2006/relationships" xmlns:p="http://schemas.openxmlformats.org/presentationml/2006/main">
+  <p:cSld>
+    <p:spTree>
+      <p:nvGrpSpPr>
+        <p:cNvPr id="1" name=""/>
+        <p:cNvGrpSpPr/>
+        <p:nvPr/>
+      </p:nvGrpSpPr>
+      <p:grpSpPr>
+        <a:xfrm>
+          <a:off x="0" y="0"/>
+          <a:ext cx="0" cy="0"/>
+          <a:chOff x="0" y="0"/>
+          <a:chExt cx="0" cy="0"/>
+        </a:xfrm>
+      </p:grpSpPr>
+      <p:sp>
+        <p:nvSpPr>
+          <p:cNvPr id="2" name="Title 1">
+            <a:extLst>
+              <a:ext uri="{FF2B5EF4-FFF2-40B4-BE49-F238E27FC236}">
                 <a16:creationId xmlns:a16="http://schemas.microsoft.com/office/drawing/2014/main" id="{8C9176F2-FD0F-6B08-8DFB-5B9FB967960C}"/>
               </a:ext>
             </a:extLst>
@@ -3536,7 +3665,7 @@
 </p:sld>
 </file>
 
-<file path=ppt/slides/slide3.xml><?xml version="1.0" encoding="utf-8"?>
+<file path=ppt/slides/slide4.xml><?xml version="1.0" encoding="utf-8"?>
 <p:sld xmlns:a="http://schemas.openxmlformats.org/drawingml/2006/main" xmlns:r="http://schemas.openxmlformats.org/officeDocument/2006/relationships" xmlns:p="http://schemas.openxmlformats.org/presentationml/2006/main">
   <p:cSld>
     <p:spTree>

--- a/DAY1/_00 - Motivation/motivation.pptx
+++ b/DAY1/_00 - Motivation/motivation.pptx
@@ -264,7 +264,7 @@
           <a:p>
             <a:fld id="{C3451B09-21F1-2F45-9B85-061DA282C4CB}" type="datetimeFigureOut">
               <a:rPr lang="en-CH" smtClean="0"/>
-              <a:t>12.01.2024</a:t>
+              <a:t>14.01.2024</a:t>
             </a:fld>
             <a:endParaRPr lang="en-CH"/>
           </a:p>
@@ -464,7 +464,7 @@
           <a:p>
             <a:fld id="{C3451B09-21F1-2F45-9B85-061DA282C4CB}" type="datetimeFigureOut">
               <a:rPr lang="en-CH" smtClean="0"/>
-              <a:t>12.01.2024</a:t>
+              <a:t>14.01.2024</a:t>
             </a:fld>
             <a:endParaRPr lang="en-CH"/>
           </a:p>
@@ -674,7 +674,7 @@
           <a:p>
             <a:fld id="{C3451B09-21F1-2F45-9B85-061DA282C4CB}" type="datetimeFigureOut">
               <a:rPr lang="en-CH" smtClean="0"/>
-              <a:t>12.01.2024</a:t>
+              <a:t>14.01.2024</a:t>
             </a:fld>
             <a:endParaRPr lang="en-CH"/>
           </a:p>
@@ -874,7 +874,7 @@
           <a:p>
             <a:fld id="{C3451B09-21F1-2F45-9B85-061DA282C4CB}" type="datetimeFigureOut">
               <a:rPr lang="en-CH" smtClean="0"/>
-              <a:t>12.01.2024</a:t>
+              <a:t>14.01.2024</a:t>
             </a:fld>
             <a:endParaRPr lang="en-CH"/>
           </a:p>
@@ -1150,7 +1150,7 @@
           <a:p>
             <a:fld id="{C3451B09-21F1-2F45-9B85-061DA282C4CB}" type="datetimeFigureOut">
               <a:rPr lang="en-CH" smtClean="0"/>
-              <a:t>12.01.2024</a:t>
+              <a:t>14.01.2024</a:t>
             </a:fld>
             <a:endParaRPr lang="en-CH"/>
           </a:p>
@@ -1418,7 +1418,7 @@
           <a:p>
             <a:fld id="{C3451B09-21F1-2F45-9B85-061DA282C4CB}" type="datetimeFigureOut">
               <a:rPr lang="en-CH" smtClean="0"/>
-              <a:t>12.01.2024</a:t>
+              <a:t>14.01.2024</a:t>
             </a:fld>
             <a:endParaRPr lang="en-CH"/>
           </a:p>
@@ -1833,7 +1833,7 @@
           <a:p>
             <a:fld id="{C3451B09-21F1-2F45-9B85-061DA282C4CB}" type="datetimeFigureOut">
               <a:rPr lang="en-CH" smtClean="0"/>
-              <a:t>12.01.2024</a:t>
+              <a:t>14.01.2024</a:t>
             </a:fld>
             <a:endParaRPr lang="en-CH"/>
           </a:p>
@@ -1975,7 +1975,7 @@
           <a:p>
             <a:fld id="{C3451B09-21F1-2F45-9B85-061DA282C4CB}" type="datetimeFigureOut">
               <a:rPr lang="en-CH" smtClean="0"/>
-              <a:t>12.01.2024</a:t>
+              <a:t>14.01.2024</a:t>
             </a:fld>
             <a:endParaRPr lang="en-CH"/>
           </a:p>
@@ -2088,7 +2088,7 @@
           <a:p>
             <a:fld id="{C3451B09-21F1-2F45-9B85-061DA282C4CB}" type="datetimeFigureOut">
               <a:rPr lang="en-CH" smtClean="0"/>
-              <a:t>12.01.2024</a:t>
+              <a:t>14.01.2024</a:t>
             </a:fld>
             <a:endParaRPr lang="en-CH"/>
           </a:p>
@@ -2401,7 +2401,7 @@
           <a:p>
             <a:fld id="{C3451B09-21F1-2F45-9B85-061DA282C4CB}" type="datetimeFigureOut">
               <a:rPr lang="en-CH" smtClean="0"/>
-              <a:t>12.01.2024</a:t>
+              <a:t>14.01.2024</a:t>
             </a:fld>
             <a:endParaRPr lang="en-CH"/>
           </a:p>
@@ -2690,7 +2690,7 @@
           <a:p>
             <a:fld id="{C3451B09-21F1-2F45-9B85-061DA282C4CB}" type="datetimeFigureOut">
               <a:rPr lang="en-CH" smtClean="0"/>
-              <a:t>12.01.2024</a:t>
+              <a:t>14.01.2024</a:t>
             </a:fld>
             <a:endParaRPr lang="en-CH"/>
           </a:p>
@@ -2935,7 +2935,7 @@
             <a:fld id="{C3451B09-21F1-2F45-9B85-061DA282C4CB}" type="datetimeFigureOut">
               <a:rPr lang="en-CH" smtClean="0"/>
               <a:pPr/>
-              <a:t>12.01.2024</a:t>
+              <a:t>14.01.2024</a:t>
             </a:fld>
             <a:endParaRPr lang="en-CH" dirty="0"/>
           </a:p>
@@ -3475,7 +3475,12 @@
             <p:ph type="title"/>
           </p:nvPr>
         </p:nvSpPr>
-        <p:spPr/>
+        <p:spPr>
+          <a:xfrm>
+            <a:off x="512275" y="156895"/>
+            <a:ext cx="10515600" cy="712237"/>
+          </a:xfrm>
+        </p:spPr>
         <p:txBody>
           <a:bodyPr/>
           <a:lstStyle/>
@@ -3503,9 +3508,16 @@
             <p:ph idx="1"/>
           </p:nvPr>
         </p:nvSpPr>
-        <p:spPr/>
-        <p:txBody>
-          <a:bodyPr/>
+        <p:spPr>
+          <a:xfrm>
+            <a:off x="838200" y="1231271"/>
+            <a:ext cx="10515600" cy="4945692"/>
+          </a:xfrm>
+        </p:spPr>
+        <p:txBody>
+          <a:bodyPr>
+            <a:normAutofit fontScale="92500" lnSpcReduction="10000"/>
+          </a:bodyPr>
           <a:lstStyle/>
           <a:p>
             <a:pPr marL="0" indent="0">
@@ -3552,7 +3564,53 @@
             </a:pPr>
             <a:r>
               <a:rPr lang="en-CH" dirty="0"/>
-              <a:t>And to the entire INAF for the support.</a:t>
+              <a:t>And of course to </a:t>
+            </a:r>
+            <a:r>
+              <a:rPr lang="en-GB" b="0" i="0" dirty="0">
+                <a:solidFill>
+                  <a:srgbClr val="222222"/>
+                </a:solidFill>
+                <a:effectLst/>
+                <a:latin typeface="Arial" panose="020B0604020202020204" pitchFamily="34" charset="0"/>
+              </a:rPr>
+              <a:t>Bianca </a:t>
+            </a:r>
+            <a:r>
+              <a:rPr lang="en-GB" b="0" i="0" dirty="0" err="1">
+                <a:solidFill>
+                  <a:srgbClr val="222222"/>
+                </a:solidFill>
+                <a:effectLst/>
+                <a:latin typeface="Arial" panose="020B0604020202020204" pitchFamily="34" charset="0"/>
+              </a:rPr>
+              <a:t>Garilli</a:t>
+            </a:r>
+            <a:r>
+              <a:rPr lang="en-GB" b="0" i="0" dirty="0">
+                <a:solidFill>
+                  <a:srgbClr val="222222"/>
+                </a:solidFill>
+                <a:effectLst/>
+                <a:latin typeface="Arial" panose="020B0604020202020204" pitchFamily="34" charset="0"/>
+              </a:rPr>
+              <a:t> e Andrea del Luca. Without their support this would not have been possible.</a:t>
+            </a:r>
+            <a:endParaRPr lang="en-CH" dirty="0"/>
+          </a:p>
+          <a:p>
+            <a:pPr marL="0" indent="0">
+              <a:buNone/>
+            </a:pPr>
+            <a:endParaRPr lang="en-CH" dirty="0"/>
+          </a:p>
+          <a:p>
+            <a:pPr marL="0" indent="0">
+              <a:buNone/>
+            </a:pPr>
+            <a:r>
+              <a:rPr lang="en-CH" dirty="0"/>
+              <a:t>And of course a big thanks to the entire INAF for the support, trust and welcome.</a:t>
             </a:r>
           </a:p>
         </p:txBody>
